--- a/Counter_Malign_Information/4-Implement-For_Instructors/Lesson_Plans/Lesson_01-Creating_Synthetic_Content/Audio_Visual-Creating_Synthetic_Content/Es-Lesson_Slide-Create_AI_Content.pptx
+++ b/Counter_Malign_Information/4-Implement-For_Instructors/Lesson_Plans/Lesson_01-Creating_Synthetic_Content/Audio_Visual-Creating_Synthetic_Content/Es-Lesson_Slide-Create_AI_Content.pptx
@@ -5,7 +5,7 @@
     <p:sldMasterId id="2147483648" r:id="rId1"/>
   </p:sldMasterIdLst>
   <p:notesMasterIdLst>
-    <p:notesMasterId r:id="rId14"/>
+    <p:notesMasterId r:id="rId15"/>
   </p:notesMasterIdLst>
   <p:sldIdLst>
     <p:sldId id="257" r:id="rId2"/>
@@ -17,9 +17,10 @@
     <p:sldId id="266" r:id="rId8"/>
     <p:sldId id="274" r:id="rId9"/>
     <p:sldId id="276" r:id="rId10"/>
-    <p:sldId id="270" r:id="rId11"/>
-    <p:sldId id="268" r:id="rId12"/>
-    <p:sldId id="272" r:id="rId13"/>
+    <p:sldId id="280" r:id="rId11"/>
+    <p:sldId id="270" r:id="rId12"/>
+    <p:sldId id="268" r:id="rId13"/>
+    <p:sldId id="272" r:id="rId14"/>
   </p:sldIdLst>
   <p:sldSz cx="12192000" cy="6858000"/>
   <p:notesSz cx="6858000" cy="9144000"/>
@@ -485,6 +486,333 @@
 </p:notesMaster>
 </file>
 
+<file path=ppt/notesSlides/notesSlide1.xml><?xml version="1.0" encoding="utf-8"?>
+<p:notes xmlns:a="http://schemas.openxmlformats.org/drawingml/2006/main" xmlns:r="http://schemas.openxmlformats.org/officeDocument/2006/relationships" xmlns:p="http://schemas.openxmlformats.org/presentationml/2006/main">
+  <p:cSld>
+    <p:spTree>
+      <p:nvGrpSpPr>
+        <p:cNvPr id="1" name=""/>
+        <p:cNvGrpSpPr/>
+        <p:nvPr/>
+      </p:nvGrpSpPr>
+      <p:grpSpPr>
+        <a:xfrm>
+          <a:off x="0" y="0"/>
+          <a:ext cx="0" cy="0"/>
+          <a:chOff x="0" y="0"/>
+          <a:chExt cx="0" cy="0"/>
+        </a:xfrm>
+      </p:grpSpPr>
+      <p:sp>
+        <p:nvSpPr>
+          <p:cNvPr id="2" name="Slide Image Placeholder 1"/>
+          <p:cNvSpPr>
+            <a:spLocks noGrp="1" noRot="1" noChangeAspect="1"/>
+          </p:cNvSpPr>
+          <p:nvPr>
+            <p:ph type="sldImg"/>
+          </p:nvPr>
+        </p:nvSpPr>
+        <p:spPr>
+          <a:xfrm>
+            <a:off x="381000" y="685800"/>
+            <a:ext cx="6096000" cy="3429000"/>
+          </a:xfrm>
+        </p:spPr>
+      </p:sp>
+      <p:sp>
+        <p:nvSpPr>
+          <p:cNvPr id="3" name="Notes Placeholder 2"/>
+          <p:cNvSpPr>
+            <a:spLocks noGrp="1"/>
+          </p:cNvSpPr>
+          <p:nvPr>
+            <p:ph type="body" idx="1"/>
+          </p:nvPr>
+        </p:nvSpPr>
+        <p:spPr/>
+        <p:txBody>
+          <a:bodyPr/>
+          <a:lstStyle/>
+          <a:p>
+            <a:r>
+              <a:rPr lang="en-US" dirty="0"/>
+              <a:t>¿De </a:t>
+            </a:r>
+            <a:r>
+              <a:rPr lang="en-US" dirty="0" err="1"/>
+              <a:t>qué</a:t>
+            </a:r>
+            <a:r>
+              <a:rPr lang="en-US" dirty="0"/>
+              <a:t> </a:t>
+            </a:r>
+            <a:r>
+              <a:rPr lang="en-US" dirty="0" err="1"/>
+              <a:t>nuevas</a:t>
+            </a:r>
+            <a:r>
+              <a:rPr lang="en-US" dirty="0"/>
+              <a:t> </a:t>
+            </a:r>
+            <a:r>
+              <a:rPr lang="en-US" dirty="0" err="1"/>
+              <a:t>maneras</a:t>
+            </a:r>
+            <a:r>
+              <a:rPr lang="en-US" dirty="0"/>
+              <a:t> </a:t>
+            </a:r>
+            <a:r>
+              <a:rPr lang="en-US" dirty="0" err="1"/>
+              <a:t>podría</a:t>
+            </a:r>
+            <a:r>
+              <a:rPr lang="en-US" dirty="0"/>
+              <a:t> </a:t>
+            </a:r>
+            <a:r>
+              <a:rPr lang="en-US" dirty="0" err="1"/>
+              <a:t>aplicar</a:t>
+            </a:r>
+            <a:r>
+              <a:rPr lang="en-US" dirty="0"/>
+              <a:t> </a:t>
+            </a:r>
+            <a:r>
+              <a:rPr lang="en-US" dirty="0" err="1"/>
+              <a:t>esta</a:t>
+            </a:r>
+            <a:r>
+              <a:rPr lang="en-US" dirty="0"/>
+              <a:t> </a:t>
+            </a:r>
+            <a:r>
+              <a:rPr lang="en-US" dirty="0" err="1"/>
+              <a:t>lección</a:t>
+            </a:r>
+            <a:r>
+              <a:rPr lang="en-US" dirty="0"/>
+              <a:t> </a:t>
+            </a:r>
+            <a:r>
+              <a:rPr lang="en-US" dirty="0" err="1"/>
+              <a:t>en</a:t>
+            </a:r>
+            <a:r>
+              <a:rPr lang="en-US" dirty="0"/>
+              <a:t> </a:t>
+            </a:r>
+            <a:r>
+              <a:rPr lang="en-US" dirty="0" err="1"/>
+              <a:t>su</a:t>
+            </a:r>
+            <a:r>
+              <a:rPr lang="en-US" dirty="0"/>
+              <a:t> </a:t>
+            </a:r>
+            <a:r>
+              <a:rPr lang="en-US" dirty="0" err="1"/>
+              <a:t>organización</a:t>
+            </a:r>
+            <a:r>
+              <a:rPr lang="en-US" dirty="0"/>
+              <a:t>?</a:t>
+            </a:r>
+          </a:p>
+          <a:p>
+            <a:r>
+              <a:rPr lang="en-US" dirty="0"/>
+              <a:t>¿</a:t>
+            </a:r>
+            <a:r>
+              <a:rPr lang="en-US" dirty="0" err="1"/>
+              <a:t>Qué</a:t>
+            </a:r>
+            <a:r>
+              <a:rPr lang="en-US" dirty="0"/>
+              <a:t> </a:t>
+            </a:r>
+            <a:r>
+              <a:rPr lang="en-US" dirty="0" err="1"/>
+              <a:t>obstáculos</a:t>
+            </a:r>
+            <a:r>
+              <a:rPr lang="en-US" dirty="0"/>
+              <a:t> </a:t>
+            </a:r>
+            <a:r>
+              <a:rPr lang="en-US" dirty="0" err="1"/>
+              <a:t>cree</a:t>
+            </a:r>
+            <a:r>
+              <a:rPr lang="en-US" dirty="0"/>
+              <a:t> que </a:t>
+            </a:r>
+            <a:r>
+              <a:rPr lang="en-US" dirty="0" err="1"/>
+              <a:t>enfrentará</a:t>
+            </a:r>
+            <a:r>
+              <a:rPr lang="en-US" dirty="0"/>
+              <a:t> al </a:t>
+            </a:r>
+            <a:r>
+              <a:rPr lang="en-US" dirty="0" err="1"/>
+              <a:t>aplicar</a:t>
+            </a:r>
+            <a:r>
+              <a:rPr lang="en-US" dirty="0"/>
+              <a:t> </a:t>
+            </a:r>
+            <a:r>
+              <a:rPr lang="en-US" dirty="0" err="1"/>
+              <a:t>esto</a:t>
+            </a:r>
+            <a:r>
+              <a:rPr lang="en-US" dirty="0"/>
+              <a:t> </a:t>
+            </a:r>
+            <a:r>
+              <a:rPr lang="en-US" dirty="0" err="1"/>
+              <a:t>en</a:t>
+            </a:r>
+            <a:r>
+              <a:rPr lang="en-US" dirty="0"/>
+              <a:t> </a:t>
+            </a:r>
+            <a:r>
+              <a:rPr lang="en-US" dirty="0" err="1"/>
+              <a:t>su</a:t>
+            </a:r>
+            <a:r>
+              <a:rPr lang="en-US" dirty="0"/>
+              <a:t> </a:t>
+            </a:r>
+            <a:r>
+              <a:rPr lang="en-US" dirty="0" err="1"/>
+              <a:t>organización</a:t>
+            </a:r>
+            <a:r>
+              <a:rPr lang="en-US" dirty="0"/>
+              <a:t>?</a:t>
+            </a:r>
+          </a:p>
+          <a:p>
+            <a:r>
+              <a:rPr lang="en-US" dirty="0"/>
+              <a:t>¿</a:t>
+            </a:r>
+            <a:r>
+              <a:rPr lang="en-US" dirty="0" err="1"/>
+              <a:t>Cómo</a:t>
+            </a:r>
+            <a:r>
+              <a:rPr lang="en-US" dirty="0"/>
+              <a:t> </a:t>
+            </a:r>
+            <a:r>
+              <a:rPr lang="en-US" dirty="0" err="1"/>
+              <a:t>puedes</a:t>
+            </a:r>
+            <a:r>
+              <a:rPr lang="en-US" dirty="0"/>
+              <a:t> </a:t>
+            </a:r>
+            <a:r>
+              <a:rPr lang="en-US" dirty="0" err="1"/>
+              <a:t>superar</a:t>
+            </a:r>
+            <a:r>
+              <a:rPr lang="en-US" dirty="0"/>
+              <a:t> </a:t>
+            </a:r>
+            <a:r>
+              <a:rPr lang="en-US" dirty="0" err="1"/>
+              <a:t>esos</a:t>
+            </a:r>
+            <a:r>
+              <a:rPr lang="en-US" dirty="0"/>
+              <a:t> </a:t>
+            </a:r>
+            <a:r>
+              <a:rPr lang="en-US" dirty="0" err="1"/>
+              <a:t>obstáculos</a:t>
+            </a:r>
+            <a:r>
+              <a:rPr lang="en-US" dirty="0"/>
+              <a:t>?</a:t>
+            </a:r>
+          </a:p>
+          <a:p>
+            <a:r>
+              <a:rPr lang="en-US" dirty="0"/>
+              <a:t>¿</a:t>
+            </a:r>
+            <a:r>
+              <a:rPr lang="en-US" dirty="0" err="1"/>
+              <a:t>Quién</a:t>
+            </a:r>
+            <a:r>
+              <a:rPr lang="en-US" dirty="0"/>
+              <a:t> </a:t>
+            </a:r>
+            <a:r>
+              <a:rPr lang="en-US" dirty="0" err="1"/>
+              <a:t>más</a:t>
+            </a:r>
+            <a:r>
+              <a:rPr lang="en-US" dirty="0"/>
+              <a:t> </a:t>
+            </a:r>
+            <a:r>
+              <a:rPr lang="en-US" dirty="0" err="1"/>
+              <a:t>debería</a:t>
+            </a:r>
+            <a:r>
+              <a:rPr lang="en-US" dirty="0"/>
+              <a:t> </a:t>
+            </a:r>
+            <a:r>
+              <a:rPr lang="en-US" dirty="0" err="1"/>
+              <a:t>aprender</a:t>
+            </a:r>
+            <a:r>
+              <a:rPr lang="en-US" dirty="0"/>
+              <a:t> </a:t>
+            </a:r>
+            <a:r>
+              <a:rPr lang="en-US" dirty="0" err="1"/>
+              <a:t>sobre</a:t>
+            </a:r>
+            <a:r>
+              <a:rPr lang="en-US" dirty="0"/>
+              <a:t> </a:t>
+            </a:r>
+            <a:r>
+              <a:rPr lang="en-US" dirty="0" err="1"/>
+              <a:t>esto</a:t>
+            </a:r>
+            <a:r>
+              <a:rPr lang="en-US" dirty="0"/>
+              <a:t>?</a:t>
+            </a:r>
+          </a:p>
+        </p:txBody>
+      </p:sp>
+    </p:spTree>
+    <p:extLst>
+      <p:ext uri="{BB962C8B-B14F-4D97-AF65-F5344CB8AC3E}">
+        <p14:creationId xmlns:p14="http://schemas.microsoft.com/office/powerpoint/2010/main" val="2696544768"/>
+      </p:ext>
+    </p:extLst>
+  </p:cSld>
+  <p:clrMapOvr>
+    <a:masterClrMapping/>
+  </p:clrMapOvr>
+</p:notes>
+</file>
+
 <file path=ppt/slideLayouts/slideLayout1.xml><?xml version="1.0" encoding="utf-8"?>
 <p:sldLayout xmlns:a="http://schemas.openxmlformats.org/drawingml/2006/main" xmlns:r="http://schemas.openxmlformats.org/officeDocument/2006/relationships" xmlns:p="http://schemas.openxmlformats.org/presentationml/2006/main" type="title">
   <p:cSld name="Title Slide">
@@ -2270,7 +2598,7 @@
           </a:ln>
           <a:extLst>
             <a:ext uri="{C572A759-6A51-4108-AA02-DFA0A04FC94B}">
-              <ma14:wrappingTextBoxFlag xmlns:ma14="http://schemas.microsoft.com/office/mac/drawingml/2011/main" xmlns:a14="http://schemas.microsoft.com/office/drawing/2010/main" xmlns:m="http://schemas.openxmlformats.org/officeDocument/2006/math" xmlns="" val="1"/>
+              <ma14:wrappingTextBoxFlag xmlns="" xmlns:m="http://schemas.openxmlformats.org/officeDocument/2006/math" xmlns:a14="http://schemas.microsoft.com/office/drawing/2010/main" xmlns:ma14="http://schemas.microsoft.com/office/mac/drawingml/2011/main" val="1"/>
             </a:ext>
           </a:extLst>
         </p:spPr>
@@ -2309,7 +2637,7 @@
           </a:ln>
           <a:extLst>
             <a:ext uri="{C572A759-6A51-4108-AA02-DFA0A04FC94B}">
-              <ma14:wrappingTextBoxFlag xmlns:ma14="http://schemas.microsoft.com/office/mac/drawingml/2011/main" xmlns:a14="http://schemas.microsoft.com/office/drawing/2010/main" xmlns:m="http://schemas.openxmlformats.org/officeDocument/2006/math" xmlns="" val="1"/>
+              <ma14:wrappingTextBoxFlag xmlns="" xmlns:m="http://schemas.openxmlformats.org/officeDocument/2006/math" xmlns:a14="http://schemas.microsoft.com/office/drawing/2010/main" xmlns:ma14="http://schemas.microsoft.com/office/mac/drawingml/2011/main" val="1"/>
             </a:ext>
           </a:extLst>
         </p:spPr>
@@ -3241,6 +3569,335 @@
           <a:chExt cx="0" cy="0"/>
         </a:xfrm>
       </p:grpSpPr>
+      <p:sp>
+        <p:nvSpPr>
+          <p:cNvPr id="2" name="Title 1">
+            <a:extLst>
+              <a:ext uri="{FF2B5EF4-FFF2-40B4-BE49-F238E27FC236}">
+                <a16:creationId xmlns:a16="http://schemas.microsoft.com/office/drawing/2014/main" id="{109E0BE8-F454-98A4-4692-9C4EAB496F5F}"/>
+              </a:ext>
+            </a:extLst>
+          </p:cNvPr>
+          <p:cNvSpPr>
+            <a:spLocks noGrp="1"/>
+          </p:cNvSpPr>
+          <p:nvPr>
+            <p:ph type="title"/>
+          </p:nvPr>
+        </p:nvSpPr>
+        <p:spPr/>
+        <p:txBody>
+          <a:bodyPr/>
+          <a:lstStyle/>
+          <a:p>
+            <a:r>
+              <a:rPr lang="en-US" dirty="0" err="1"/>
+              <a:t>Prácticas</a:t>
+            </a:r>
+            <a:r>
+              <a:rPr lang="en-US" dirty="0"/>
+              <a:t> para </a:t>
+            </a:r>
+            <a:r>
+              <a:rPr lang="en-US" dirty="0" err="1"/>
+              <a:t>Generar</a:t>
+            </a:r>
+            <a:r>
+              <a:rPr lang="en-US" dirty="0"/>
+              <a:t> </a:t>
+            </a:r>
+            <a:r>
+              <a:rPr lang="en-US" dirty="0" err="1"/>
+              <a:t>Contenido</a:t>
+            </a:r>
+            <a:endParaRPr lang="en-US" dirty="0"/>
+          </a:p>
+        </p:txBody>
+      </p:sp>
+      <p:sp>
+        <p:nvSpPr>
+          <p:cNvPr id="3" name="Text Placeholder 2">
+            <a:extLst>
+              <a:ext uri="{FF2B5EF4-FFF2-40B4-BE49-F238E27FC236}">
+                <a16:creationId xmlns:a16="http://schemas.microsoft.com/office/drawing/2014/main" id="{B0326A14-FC9F-2F7D-E8FD-8E80E7209FA3}"/>
+              </a:ext>
+            </a:extLst>
+          </p:cNvPr>
+          <p:cNvSpPr>
+            <a:spLocks noGrp="1"/>
+          </p:cNvSpPr>
+          <p:nvPr>
+            <p:ph type="body" idx="1"/>
+          </p:nvPr>
+        </p:nvSpPr>
+        <p:spPr/>
+        <p:txBody>
+          <a:bodyPr/>
+          <a:lstStyle/>
+          <a:p>
+            <a:pPr marL="0" indent="0">
+              <a:buNone/>
+            </a:pPr>
+            <a:r>
+              <a:rPr lang="en-US" dirty="0"/>
+              <a:t>Cree </a:t>
+            </a:r>
+            <a:r>
+              <a:rPr lang="en-US" dirty="0" err="1"/>
+              <a:t>una</a:t>
+            </a:r>
+            <a:r>
+              <a:rPr lang="en-US" dirty="0"/>
+              <a:t> </a:t>
+            </a:r>
+            <a:r>
+              <a:rPr lang="en-US" dirty="0" err="1"/>
+              <a:t>plantilla</a:t>
+            </a:r>
+            <a:r>
+              <a:rPr lang="en-US" dirty="0"/>
+              <a:t> para que </a:t>
+            </a:r>
+            <a:r>
+              <a:rPr lang="en-US" dirty="0" err="1"/>
+              <a:t>su</a:t>
+            </a:r>
+            <a:r>
+              <a:rPr lang="en-US" dirty="0"/>
+              <a:t> </a:t>
+            </a:r>
+            <a:r>
+              <a:rPr lang="en-US" dirty="0" err="1"/>
+              <a:t>organización</a:t>
+            </a:r>
+            <a:r>
+              <a:rPr lang="en-US" dirty="0"/>
+              <a:t>:</a:t>
+            </a:r>
+          </a:p>
+          <a:p>
+            <a:pPr marL="514350" indent="-514350">
+              <a:buFont typeface="+mj-lt"/>
+              <a:buAutoNum type="arabicPeriod"/>
+            </a:pPr>
+            <a:r>
+              <a:rPr lang="en-US" dirty="0"/>
+              <a:t>Cree </a:t>
+            </a:r>
+            <a:r>
+              <a:rPr lang="en-US" dirty="0" err="1"/>
+              <a:t>búsquedas</a:t>
+            </a:r>
+            <a:r>
+              <a:rPr lang="en-US" dirty="0"/>
+              <a:t> </a:t>
+            </a:r>
+            <a:r>
+              <a:rPr lang="en-US" dirty="0" err="1"/>
+              <a:t>avanzadas</a:t>
+            </a:r>
+            <a:r>
+              <a:rPr lang="en-US" dirty="0"/>
+              <a:t> </a:t>
+            </a:r>
+            <a:r>
+              <a:rPr lang="en-US" dirty="0" err="1"/>
+              <a:t>en</a:t>
+            </a:r>
+            <a:r>
+              <a:rPr lang="en-US" dirty="0"/>
+              <a:t> Google para </a:t>
+            </a:r>
+            <a:r>
+              <a:rPr lang="en-US" dirty="0" err="1"/>
+              <a:t>buscar</a:t>
+            </a:r>
+            <a:r>
+              <a:rPr lang="en-US" dirty="0"/>
+              <a:t> </a:t>
+            </a:r>
+            <a:r>
+              <a:rPr lang="en-US" dirty="0" err="1"/>
+              <a:t>tácticas</a:t>
+            </a:r>
+            <a:r>
+              <a:rPr lang="en-US" dirty="0"/>
+              <a:t> de </a:t>
+            </a:r>
+            <a:r>
+              <a:rPr lang="en-US" dirty="0" err="1"/>
+              <a:t>actores</a:t>
+            </a:r>
+            <a:r>
+              <a:rPr lang="en-US" dirty="0"/>
+              <a:t> </a:t>
+            </a:r>
+            <a:r>
+              <a:rPr lang="en-US" dirty="0" err="1"/>
+              <a:t>rivales</a:t>
+            </a:r>
+            <a:r>
+              <a:rPr lang="en-US" dirty="0"/>
+              <a:t> </a:t>
+            </a:r>
+            <a:r>
+              <a:rPr lang="en-US" dirty="0" err="1"/>
+              <a:t>en</a:t>
+            </a:r>
+            <a:r>
+              <a:rPr lang="en-US" dirty="0"/>
+              <a:t> </a:t>
+            </a:r>
+            <a:r>
+              <a:rPr lang="en-US" dirty="0" err="1"/>
+              <a:t>su</a:t>
+            </a:r>
+            <a:r>
+              <a:rPr lang="en-US" dirty="0"/>
+              <a:t> </a:t>
+            </a:r>
+            <a:r>
+              <a:rPr lang="en-US" dirty="0" err="1"/>
+              <a:t>área</a:t>
+            </a:r>
+            <a:endParaRPr lang="en-US" dirty="0"/>
+          </a:p>
+          <a:p>
+            <a:pPr marL="514350" indent="-514350">
+              <a:buFont typeface="+mj-lt"/>
+              <a:buAutoNum type="arabicPeriod"/>
+            </a:pPr>
+            <a:r>
+              <a:rPr lang="en-US" dirty="0"/>
+              <a:t>Cree </a:t>
+            </a:r>
+            <a:r>
+              <a:rPr lang="en-US" dirty="0" err="1"/>
+              <a:t>una</a:t>
+            </a:r>
+            <a:r>
+              <a:rPr lang="en-US" dirty="0"/>
+              <a:t> </a:t>
+            </a:r>
+            <a:r>
+              <a:rPr lang="en-US" dirty="0" err="1"/>
+              <a:t>guía</a:t>
+            </a:r>
+            <a:r>
+              <a:rPr lang="en-US" dirty="0"/>
+              <a:t> de </a:t>
+            </a:r>
+            <a:r>
+              <a:rPr lang="en-US" dirty="0" err="1"/>
+              <a:t>planificación</a:t>
+            </a:r>
+            <a:r>
+              <a:rPr lang="en-US" dirty="0"/>
+              <a:t> </a:t>
+            </a:r>
+            <a:r>
+              <a:rPr lang="en-US" dirty="0" err="1"/>
+              <a:t>amplia</a:t>
+            </a:r>
+            <a:r>
+              <a:rPr lang="en-US" dirty="0"/>
+              <a:t> </a:t>
+            </a:r>
+            <a:r>
+              <a:rPr lang="en-US" dirty="0" err="1"/>
+              <a:t>basada</a:t>
+            </a:r>
+            <a:r>
+              <a:rPr lang="en-US" dirty="0"/>
+              <a:t> </a:t>
+            </a:r>
+            <a:r>
+              <a:rPr lang="en-US" dirty="0" err="1"/>
+              <a:t>en</a:t>
+            </a:r>
+            <a:r>
+              <a:rPr lang="en-US" dirty="0"/>
+              <a:t> un conjunto de </a:t>
+            </a:r>
+            <a:r>
+              <a:rPr lang="en-US" dirty="0" err="1"/>
+              <a:t>problemas</a:t>
+            </a:r>
+            <a:r>
+              <a:rPr lang="en-US" dirty="0"/>
+              <a:t> </a:t>
+            </a:r>
+            <a:r>
+              <a:rPr lang="en-US" dirty="0" err="1"/>
+              <a:t>determinado</a:t>
+            </a:r>
+            <a:r>
+              <a:rPr lang="en-US" dirty="0"/>
+              <a:t> que </a:t>
+            </a:r>
+            <a:r>
+              <a:rPr lang="en-US" dirty="0" err="1"/>
+              <a:t>normalmente</a:t>
+            </a:r>
+            <a:r>
+              <a:rPr lang="en-US" dirty="0"/>
+              <a:t> </a:t>
+            </a:r>
+            <a:r>
+              <a:rPr lang="en-US" dirty="0" err="1"/>
+              <a:t>encuentra</a:t>
+            </a:r>
+            <a:r>
+              <a:rPr lang="en-US" dirty="0"/>
+              <a:t> </a:t>
+            </a:r>
+            <a:r>
+              <a:rPr lang="en-US" dirty="0" err="1"/>
+              <a:t>su</a:t>
+            </a:r>
+            <a:r>
+              <a:rPr lang="en-US" dirty="0"/>
+              <a:t> </a:t>
+            </a:r>
+            <a:r>
+              <a:rPr lang="en-US" dirty="0" err="1"/>
+              <a:t>organización</a:t>
+            </a:r>
+            <a:endParaRPr lang="en-US" dirty="0"/>
+          </a:p>
+        </p:txBody>
+      </p:sp>
+    </p:spTree>
+    <p:extLst>
+      <p:ext uri="{BB962C8B-B14F-4D97-AF65-F5344CB8AC3E}">
+        <p14:creationId xmlns:p14="http://schemas.microsoft.com/office/powerpoint/2010/main" val="2628903063"/>
+      </p:ext>
+    </p:extLst>
+  </p:cSld>
+  <p:clrMapOvr>
+    <a:masterClrMapping/>
+  </p:clrMapOvr>
+  <p:transition spd="med"/>
+</p:sld>
+</file>
+
+<file path=ppt/slides/slide11.xml><?xml version="1.0" encoding="utf-8"?>
+<p:sld xmlns:a="http://schemas.openxmlformats.org/drawingml/2006/main" xmlns:r="http://schemas.openxmlformats.org/officeDocument/2006/relationships" xmlns:p="http://schemas.openxmlformats.org/presentationml/2006/main">
+  <p:cSld>
+    <p:spTree>
+      <p:nvGrpSpPr>
+        <p:cNvPr id="1" name=""/>
+        <p:cNvGrpSpPr/>
+        <p:nvPr/>
+      </p:nvGrpSpPr>
+      <p:grpSpPr>
+        <a:xfrm>
+          <a:off x="0" y="0"/>
+          <a:ext cx="0" cy="0"/>
+          <a:chOff x="0" y="0"/>
+          <a:chExt cx="0" cy="0"/>
+        </a:xfrm>
+      </p:grpSpPr>
       <p:pic>
         <p:nvPicPr>
           <p:cNvPr id="189" name="Picture 7" descr="Picture 7"/>
@@ -3250,7 +3907,7 @@
           <p:nvPr/>
         </p:nvPicPr>
         <p:blipFill>
-          <a:blip r:embed="rId2"/>
+          <a:blip r:embed="rId3"/>
           <a:stretch>
             <a:fillRect/>
           </a:stretch>
@@ -3346,7 +4003,7 @@
           </a:prstGeom>
           <a:extLst>
             <a:ext uri="{C572A759-6A51-4108-AA02-DFA0A04FC94B}">
-              <ma14:wrappingTextBoxFlag xmlns:ma14="http://schemas.microsoft.com/office/mac/drawingml/2011/main" xmlns:a14="http://schemas.microsoft.com/office/drawing/2010/main" xmlns:m="http://schemas.openxmlformats.org/officeDocument/2006/math" xmlns="" val="1"/>
+              <ma14:wrappingTextBoxFlag xmlns="" xmlns:m="http://schemas.openxmlformats.org/officeDocument/2006/math" xmlns:a14="http://schemas.microsoft.com/office/drawing/2010/main" xmlns:ma14="http://schemas.microsoft.com/office/mac/drawingml/2011/main" val="1"/>
             </a:ext>
           </a:extLst>
         </p:spPr>
@@ -3355,7 +4012,8 @@
           <a:lstStyle/>
           <a:p>
             <a:fld id="{86CB4B4D-7CA3-9044-876B-883B54F8677D}" type="slidenum">
-              <a:t>10</a:t>
+              <a:rPr/>
+              <a:t>11</a:t>
             </a:fld>
             <a:endParaRPr/>
           </a:p>
@@ -3372,7 +4030,7 @@
         <p:push dir="u"/>
       </p:transition>
     </mc:Choice>
-    <mc:Fallback xmlns:a14="http://schemas.microsoft.com/office/drawing/2010/main" xmlns:m="http://schemas.openxmlformats.org/officeDocument/2006/math" xmlns="">
+    <mc:Fallback xmlns="" xmlns:m="http://schemas.openxmlformats.org/officeDocument/2006/math" xmlns:a14="http://schemas.microsoft.com/office/drawing/2010/main">
       <p:transition spd="slow">
         <p:fade/>
       </p:transition>
@@ -3381,7 +4039,7 @@
 </p:sld>
 </file>
 
-<file path=ppt/slides/slide11.xml><?xml version="1.0" encoding="utf-8"?>
+<file path=ppt/slides/slide12.xml><?xml version="1.0" encoding="utf-8"?>
 <p:sld xmlns:a="http://schemas.openxmlformats.org/drawingml/2006/main" xmlns:r="http://schemas.openxmlformats.org/officeDocument/2006/relationships" xmlns:p="http://schemas.openxmlformats.org/presentationml/2006/main">
   <p:cSld>
     <p:spTree>
@@ -3565,7 +4223,7 @@
           </a:prstGeom>
           <a:extLst>
             <a:ext uri="{C572A759-6A51-4108-AA02-DFA0A04FC94B}">
-              <ma14:wrappingTextBoxFlag xmlns:ma14="http://schemas.microsoft.com/office/mac/drawingml/2011/main" xmlns:a14="http://schemas.microsoft.com/office/drawing/2010/main" xmlns:m="http://schemas.openxmlformats.org/officeDocument/2006/math" xmlns="" val="1"/>
+              <ma14:wrappingTextBoxFlag xmlns="" xmlns:m="http://schemas.openxmlformats.org/officeDocument/2006/math" xmlns:a14="http://schemas.microsoft.com/office/drawing/2010/main" xmlns:ma14="http://schemas.microsoft.com/office/mac/drawingml/2011/main" val="1"/>
             </a:ext>
           </a:extLst>
         </p:spPr>
@@ -3574,7 +4232,7 @@
           <a:lstStyle/>
           <a:p>
             <a:fld id="{86CB4B4D-7CA3-9044-876B-883B54F8677D}" type="slidenum">
-              <a:t>11</a:t>
+              <a:t>12</a:t>
             </a:fld>
             <a:endParaRPr/>
           </a:p>
@@ -3589,7 +4247,7 @@
 </p:sld>
 </file>
 
-<file path=ppt/slides/slide12.xml><?xml version="1.0" encoding="utf-8"?>
+<file path=ppt/slides/slide13.xml><?xml version="1.0" encoding="utf-8"?>
 <p:sld xmlns:a="http://schemas.openxmlformats.org/drawingml/2006/main" xmlns:r="http://schemas.openxmlformats.org/officeDocument/2006/relationships" xmlns:p="http://schemas.openxmlformats.org/presentationml/2006/main">
   <p:cSld>
     <p:spTree>
@@ -3693,7 +4351,7 @@
           </a:ln>
           <a:extLst>
             <a:ext uri="{C572A759-6A51-4108-AA02-DFA0A04FC94B}">
-              <ma14:wrappingTextBoxFlag xmlns:ma14="http://schemas.microsoft.com/office/mac/drawingml/2011/main" xmlns:a14="http://schemas.microsoft.com/office/drawing/2010/main" xmlns:m="http://schemas.openxmlformats.org/officeDocument/2006/math" xmlns="" val="1"/>
+              <ma14:wrappingTextBoxFlag xmlns="" xmlns:m="http://schemas.openxmlformats.org/officeDocument/2006/math" xmlns:a14="http://schemas.microsoft.com/office/drawing/2010/main" xmlns:ma14="http://schemas.microsoft.com/office/mac/drawingml/2011/main" val="1"/>
             </a:ext>
           </a:extLst>
         </p:spPr>
@@ -3729,7 +4387,7 @@
           </a:prstGeom>
           <a:extLst>
             <a:ext uri="{C572A759-6A51-4108-AA02-DFA0A04FC94B}">
-              <ma14:wrappingTextBoxFlag xmlns:ma14="http://schemas.microsoft.com/office/mac/drawingml/2011/main" xmlns:a14="http://schemas.microsoft.com/office/drawing/2010/main" xmlns:m="http://schemas.openxmlformats.org/officeDocument/2006/math" xmlns="" val="1"/>
+              <ma14:wrappingTextBoxFlag xmlns="" xmlns:m="http://schemas.openxmlformats.org/officeDocument/2006/math" xmlns:a14="http://schemas.microsoft.com/office/drawing/2010/main" xmlns:ma14="http://schemas.microsoft.com/office/mac/drawingml/2011/main" val="1"/>
             </a:ext>
           </a:extLst>
         </p:spPr>
@@ -3738,7 +4396,7 @@
           <a:lstStyle/>
           <a:p>
             <a:fld id="{86CB4B4D-7CA3-9044-876B-883B54F8677D}" type="slidenum">
-              <a:t>12</a:t>
+              <a:t>13</a:t>
             </a:fld>
             <a:endParaRPr/>
           </a:p>
@@ -3790,7 +4448,7 @@
           </a:prstGeom>
           <a:extLst>
             <a:ext uri="{C572A759-6A51-4108-AA02-DFA0A04FC94B}">
-              <ma14:wrappingTextBoxFlag xmlns:ma14="http://schemas.microsoft.com/office/mac/drawingml/2011/main" xmlns:a14="http://schemas.microsoft.com/office/drawing/2010/main" xmlns:m="http://schemas.openxmlformats.org/officeDocument/2006/math" xmlns="" val="1"/>
+              <ma14:wrappingTextBoxFlag xmlns="" xmlns:m="http://schemas.openxmlformats.org/officeDocument/2006/math" xmlns:a14="http://schemas.microsoft.com/office/drawing/2010/main" xmlns:ma14="http://schemas.microsoft.com/office/mac/drawingml/2011/main" val="1"/>
             </a:ext>
           </a:extLst>
         </p:spPr>
@@ -4309,7 +4967,7 @@
           </a:ln>
           <a:extLst>
             <a:ext uri="{C572A759-6A51-4108-AA02-DFA0A04FC94B}">
-              <ma14:wrappingTextBoxFlag xmlns:ma14="http://schemas.microsoft.com/office/mac/drawingml/2011/main" xmlns:a14="http://schemas.microsoft.com/office/drawing/2010/main" xmlns:m="http://schemas.openxmlformats.org/officeDocument/2006/math" xmlns="" val="1"/>
+              <ma14:wrappingTextBoxFlag xmlns="" xmlns:m="http://schemas.openxmlformats.org/officeDocument/2006/math" xmlns:a14="http://schemas.microsoft.com/office/drawing/2010/main" xmlns:ma14="http://schemas.microsoft.com/office/mac/drawingml/2011/main" val="1"/>
             </a:ext>
           </a:extLst>
         </p:spPr>
@@ -4541,7 +5199,7 @@
           </a:ln>
           <a:extLst>
             <a:ext uri="{C572A759-6A51-4108-AA02-DFA0A04FC94B}">
-              <ma14:wrappingTextBoxFlag xmlns:ma14="http://schemas.microsoft.com/office/mac/drawingml/2011/main" xmlns:a14="http://schemas.microsoft.com/office/drawing/2010/main" xmlns:m="http://schemas.openxmlformats.org/officeDocument/2006/math" xmlns="" val="1"/>
+              <ma14:wrappingTextBoxFlag xmlns="" xmlns:m="http://schemas.openxmlformats.org/officeDocument/2006/math" xmlns:a14="http://schemas.microsoft.com/office/drawing/2010/main" xmlns:ma14="http://schemas.microsoft.com/office/mac/drawingml/2011/main" val="1"/>
             </a:ext>
           </a:extLst>
         </p:spPr>
@@ -4598,7 +5256,7 @@
           </a:ln>
           <a:extLst>
             <a:ext uri="{C572A759-6A51-4108-AA02-DFA0A04FC94B}">
-              <ma14:wrappingTextBoxFlag xmlns:ma14="http://schemas.microsoft.com/office/mac/drawingml/2011/main" xmlns:a14="http://schemas.microsoft.com/office/drawing/2010/main" xmlns:m="http://schemas.openxmlformats.org/officeDocument/2006/math" xmlns="" val="1"/>
+              <ma14:wrappingTextBoxFlag xmlns="" xmlns:m="http://schemas.openxmlformats.org/officeDocument/2006/math" xmlns:a14="http://schemas.microsoft.com/office/drawing/2010/main" xmlns:ma14="http://schemas.microsoft.com/office/mac/drawingml/2011/main" val="1"/>
             </a:ext>
           </a:extLst>
         </p:spPr>
@@ -4695,7 +5353,7 @@
           </a:ln>
           <a:extLst>
             <a:ext uri="{C572A759-6A51-4108-AA02-DFA0A04FC94B}">
-              <ma14:wrappingTextBoxFlag xmlns:ma14="http://schemas.microsoft.com/office/mac/drawingml/2011/main" xmlns:a14="http://schemas.microsoft.com/office/drawing/2010/main" xmlns:m="http://schemas.openxmlformats.org/officeDocument/2006/math" xmlns="" val="1"/>
+              <ma14:wrappingTextBoxFlag xmlns="" xmlns:m="http://schemas.openxmlformats.org/officeDocument/2006/math" xmlns:a14="http://schemas.microsoft.com/office/drawing/2010/main" xmlns:ma14="http://schemas.microsoft.com/office/mac/drawingml/2011/main" val="1"/>
             </a:ext>
           </a:extLst>
         </p:spPr>
@@ -4792,7 +5450,7 @@
           </a:ln>
           <a:extLst>
             <a:ext uri="{C572A759-6A51-4108-AA02-DFA0A04FC94B}">
-              <ma14:wrappingTextBoxFlag xmlns:ma14="http://schemas.microsoft.com/office/mac/drawingml/2011/main" xmlns:a14="http://schemas.microsoft.com/office/drawing/2010/main" xmlns:m="http://schemas.openxmlformats.org/officeDocument/2006/math" xmlns="" val="1"/>
+              <ma14:wrappingTextBoxFlag xmlns="" xmlns:m="http://schemas.openxmlformats.org/officeDocument/2006/math" xmlns:a14="http://schemas.microsoft.com/office/drawing/2010/main" xmlns:ma14="http://schemas.microsoft.com/office/mac/drawingml/2011/main" val="1"/>
             </a:ext>
           </a:extLst>
         </p:spPr>
@@ -4942,7 +5600,7 @@
           </a:prstGeom>
           <a:extLst>
             <a:ext uri="{C572A759-6A51-4108-AA02-DFA0A04FC94B}">
-              <ma14:wrappingTextBoxFlag xmlns:ma14="http://schemas.microsoft.com/office/mac/drawingml/2011/main" xmlns:a14="http://schemas.microsoft.com/office/drawing/2010/main" xmlns:m="http://schemas.openxmlformats.org/officeDocument/2006/math" xmlns="" val="1"/>
+              <ma14:wrappingTextBoxFlag xmlns="" xmlns:m="http://schemas.openxmlformats.org/officeDocument/2006/math" xmlns:a14="http://schemas.microsoft.com/office/drawing/2010/main" xmlns:ma14="http://schemas.microsoft.com/office/mac/drawingml/2011/main" val="1"/>
             </a:ext>
           </a:extLst>
         </p:spPr>
@@ -4989,7 +5647,7 @@
           </a:ln>
           <a:extLst>
             <a:ext uri="{C572A759-6A51-4108-AA02-DFA0A04FC94B}">
-              <ma14:wrappingTextBoxFlag xmlns:ma14="http://schemas.microsoft.com/office/mac/drawingml/2011/main" xmlns:a14="http://schemas.microsoft.com/office/drawing/2010/main" xmlns:m="http://schemas.openxmlformats.org/officeDocument/2006/math" xmlns="" val="1"/>
+              <ma14:wrappingTextBoxFlag xmlns="" xmlns:m="http://schemas.openxmlformats.org/officeDocument/2006/math" xmlns:a14="http://schemas.microsoft.com/office/drawing/2010/main" xmlns:ma14="http://schemas.microsoft.com/office/mac/drawingml/2011/main" val="1"/>
             </a:ext>
           </a:extLst>
         </p:spPr>
@@ -5086,7 +5744,7 @@
           </a:ln>
           <a:extLst>
             <a:ext uri="{C572A759-6A51-4108-AA02-DFA0A04FC94B}">
-              <ma14:wrappingTextBoxFlag xmlns:ma14="http://schemas.microsoft.com/office/mac/drawingml/2011/main" xmlns:a14="http://schemas.microsoft.com/office/drawing/2010/main" xmlns:m="http://schemas.openxmlformats.org/officeDocument/2006/math" xmlns="" val="1"/>
+              <ma14:wrappingTextBoxFlag xmlns="" xmlns:m="http://schemas.openxmlformats.org/officeDocument/2006/math" xmlns:a14="http://schemas.microsoft.com/office/drawing/2010/main" xmlns:ma14="http://schemas.microsoft.com/office/mac/drawingml/2011/main" val="1"/>
             </a:ext>
           </a:extLst>
         </p:spPr>
@@ -5183,7 +5841,7 @@
           </a:ln>
           <a:extLst>
             <a:ext uri="{C572A759-6A51-4108-AA02-DFA0A04FC94B}">
-              <ma14:wrappingTextBoxFlag xmlns:ma14="http://schemas.microsoft.com/office/mac/drawingml/2011/main" xmlns:a14="http://schemas.microsoft.com/office/drawing/2010/main" xmlns:m="http://schemas.openxmlformats.org/officeDocument/2006/math" xmlns="" val="1"/>
+              <ma14:wrappingTextBoxFlag xmlns="" xmlns:m="http://schemas.openxmlformats.org/officeDocument/2006/math" xmlns:a14="http://schemas.microsoft.com/office/drawing/2010/main" xmlns:ma14="http://schemas.microsoft.com/office/mac/drawingml/2011/main" val="1"/>
             </a:ext>
           </a:extLst>
         </p:spPr>
@@ -6253,7 +6911,7 @@
           </a:prstGeom>
           <a:extLst>
             <a:ext uri="{C572A759-6A51-4108-AA02-DFA0A04FC94B}">
-              <ma14:wrappingTextBoxFlag xmlns:ma14="http://schemas.microsoft.com/office/mac/drawingml/2011/main" xmlns:a14="http://schemas.microsoft.com/office/drawing/2010/main" xmlns:m="http://schemas.openxmlformats.org/officeDocument/2006/math" xmlns="" val="1"/>
+              <ma14:wrappingTextBoxFlag xmlns="" xmlns:m="http://schemas.openxmlformats.org/officeDocument/2006/math" xmlns:a14="http://schemas.microsoft.com/office/drawing/2010/main" xmlns:ma14="http://schemas.microsoft.com/office/mac/drawingml/2011/main" val="1"/>
             </a:ext>
           </a:extLst>
         </p:spPr>
@@ -6300,7 +6958,7 @@
           </a:ln>
           <a:extLst>
             <a:ext uri="{C572A759-6A51-4108-AA02-DFA0A04FC94B}">
-              <ma14:wrappingTextBoxFlag xmlns:ma14="http://schemas.microsoft.com/office/mac/drawingml/2011/main" xmlns:a14="http://schemas.microsoft.com/office/drawing/2010/main" xmlns:m="http://schemas.openxmlformats.org/officeDocument/2006/math" xmlns="" val="1"/>
+              <ma14:wrappingTextBoxFlag xmlns="" xmlns:m="http://schemas.openxmlformats.org/officeDocument/2006/math" xmlns:a14="http://schemas.microsoft.com/office/drawing/2010/main" xmlns:ma14="http://schemas.microsoft.com/office/mac/drawingml/2011/main" val="1"/>
             </a:ext>
           </a:extLst>
         </p:spPr>
@@ -6397,7 +7055,7 @@
           </a:ln>
           <a:extLst>
             <a:ext uri="{C572A759-6A51-4108-AA02-DFA0A04FC94B}">
-              <ma14:wrappingTextBoxFlag xmlns:ma14="http://schemas.microsoft.com/office/mac/drawingml/2011/main" xmlns:a14="http://schemas.microsoft.com/office/drawing/2010/main" xmlns:m="http://schemas.openxmlformats.org/officeDocument/2006/math" xmlns="" val="1"/>
+              <ma14:wrappingTextBoxFlag xmlns="" xmlns:m="http://schemas.openxmlformats.org/officeDocument/2006/math" xmlns:a14="http://schemas.microsoft.com/office/drawing/2010/main" xmlns:ma14="http://schemas.microsoft.com/office/mac/drawingml/2011/main" val="1"/>
             </a:ext>
           </a:extLst>
         </p:spPr>
@@ -6494,7 +7152,7 @@
           </a:ln>
           <a:extLst>
             <a:ext uri="{C572A759-6A51-4108-AA02-DFA0A04FC94B}">
-              <ma14:wrappingTextBoxFlag xmlns:ma14="http://schemas.microsoft.com/office/mac/drawingml/2011/main" xmlns:a14="http://schemas.microsoft.com/office/drawing/2010/main" xmlns:m="http://schemas.openxmlformats.org/officeDocument/2006/math" xmlns="" val="1"/>
+              <ma14:wrappingTextBoxFlag xmlns="" xmlns:m="http://schemas.openxmlformats.org/officeDocument/2006/math" xmlns:a14="http://schemas.microsoft.com/office/drawing/2010/main" xmlns:ma14="http://schemas.microsoft.com/office/mac/drawingml/2011/main" val="1"/>
             </a:ext>
           </a:extLst>
         </p:spPr>
@@ -6645,7 +7303,7 @@
           </a:prstGeom>
           <a:extLst>
             <a:ext uri="{C572A759-6A51-4108-AA02-DFA0A04FC94B}">
-              <ma14:wrappingTextBoxFlag xmlns:ma14="http://schemas.microsoft.com/office/mac/drawingml/2011/main" xmlns:a14="http://schemas.microsoft.com/office/drawing/2010/main" xmlns:m="http://schemas.openxmlformats.org/officeDocument/2006/math" xmlns="" val="1"/>
+              <ma14:wrappingTextBoxFlag xmlns="" xmlns:m="http://schemas.openxmlformats.org/officeDocument/2006/math" xmlns:a14="http://schemas.microsoft.com/office/drawing/2010/main" xmlns:ma14="http://schemas.microsoft.com/office/mac/drawingml/2011/main" val="1"/>
             </a:ext>
           </a:extLst>
         </p:spPr>
@@ -6692,7 +7350,7 @@
           </a:ln>
           <a:extLst>
             <a:ext uri="{C572A759-6A51-4108-AA02-DFA0A04FC94B}">
-              <ma14:wrappingTextBoxFlag xmlns:ma14="http://schemas.microsoft.com/office/mac/drawingml/2011/main" xmlns:a14="http://schemas.microsoft.com/office/drawing/2010/main" xmlns:m="http://schemas.openxmlformats.org/officeDocument/2006/math" xmlns="" val="1"/>
+              <ma14:wrappingTextBoxFlag xmlns="" xmlns:m="http://schemas.openxmlformats.org/officeDocument/2006/math" xmlns:a14="http://schemas.microsoft.com/office/drawing/2010/main" xmlns:ma14="http://schemas.microsoft.com/office/mac/drawingml/2011/main" val="1"/>
             </a:ext>
           </a:extLst>
         </p:spPr>
@@ -6789,7 +7447,7 @@
           </a:ln>
           <a:extLst>
             <a:ext uri="{C572A759-6A51-4108-AA02-DFA0A04FC94B}">
-              <ma14:wrappingTextBoxFlag xmlns:ma14="http://schemas.microsoft.com/office/mac/drawingml/2011/main" xmlns:a14="http://schemas.microsoft.com/office/drawing/2010/main" xmlns:m="http://schemas.openxmlformats.org/officeDocument/2006/math" xmlns="" val="1"/>
+              <ma14:wrappingTextBoxFlag xmlns="" xmlns:m="http://schemas.openxmlformats.org/officeDocument/2006/math" xmlns:a14="http://schemas.microsoft.com/office/drawing/2010/main" xmlns:ma14="http://schemas.microsoft.com/office/mac/drawingml/2011/main" val="1"/>
             </a:ext>
           </a:extLst>
         </p:spPr>
@@ -6886,7 +7544,7 @@
           </a:ln>
           <a:extLst>
             <a:ext uri="{C572A759-6A51-4108-AA02-DFA0A04FC94B}">
-              <ma14:wrappingTextBoxFlag xmlns:ma14="http://schemas.microsoft.com/office/mac/drawingml/2011/main" xmlns:a14="http://schemas.microsoft.com/office/drawing/2010/main" xmlns:m="http://schemas.openxmlformats.org/officeDocument/2006/math" xmlns="" val="1"/>
+              <ma14:wrappingTextBoxFlag xmlns="" xmlns:m="http://schemas.openxmlformats.org/officeDocument/2006/math" xmlns:a14="http://schemas.microsoft.com/office/drawing/2010/main" xmlns:ma14="http://schemas.microsoft.com/office/mac/drawingml/2011/main" val="1"/>
             </a:ext>
           </a:extLst>
         </p:spPr>
@@ -8446,7 +9104,7 @@
           </a:prstGeom>
           <a:extLst>
             <a:ext uri="{C572A759-6A51-4108-AA02-DFA0A04FC94B}">
-              <ma14:wrappingTextBoxFlag xmlns="" xmlns:m="http://schemas.openxmlformats.org/officeDocument/2006/math" xmlns:a14="http://schemas.microsoft.com/office/drawing/2010/main" xmlns:ma14="http://schemas.microsoft.com/office/mac/drawingml/2011/main" val="1"/>
+              <ma14:wrappingTextBoxFlag xmlns:ma14="http://schemas.microsoft.com/office/mac/drawingml/2011/main" xmlns:a14="http://schemas.microsoft.com/office/drawing/2010/main" xmlns:m="http://schemas.openxmlformats.org/officeDocument/2006/math" xmlns="" val="1"/>
             </a:ext>
           </a:extLst>
         </p:spPr>
@@ -8493,7 +9151,7 @@
           </a:ln>
           <a:extLst>
             <a:ext uri="{C572A759-6A51-4108-AA02-DFA0A04FC94B}">
-              <ma14:wrappingTextBoxFlag xmlns="" xmlns:m="http://schemas.openxmlformats.org/officeDocument/2006/math" xmlns:a14="http://schemas.microsoft.com/office/drawing/2010/main" xmlns:ma14="http://schemas.microsoft.com/office/mac/drawingml/2011/main" val="1"/>
+              <ma14:wrappingTextBoxFlag xmlns:ma14="http://schemas.microsoft.com/office/mac/drawingml/2011/main" xmlns:a14="http://schemas.microsoft.com/office/drawing/2010/main" xmlns:m="http://schemas.openxmlformats.org/officeDocument/2006/math" xmlns="" val="1"/>
             </a:ext>
           </a:extLst>
         </p:spPr>
@@ -8590,7 +9248,7 @@
           </a:ln>
           <a:extLst>
             <a:ext uri="{C572A759-6A51-4108-AA02-DFA0A04FC94B}">
-              <ma14:wrappingTextBoxFlag xmlns="" xmlns:m="http://schemas.openxmlformats.org/officeDocument/2006/math" xmlns:a14="http://schemas.microsoft.com/office/drawing/2010/main" xmlns:ma14="http://schemas.microsoft.com/office/mac/drawingml/2011/main" val="1"/>
+              <ma14:wrappingTextBoxFlag xmlns:ma14="http://schemas.microsoft.com/office/mac/drawingml/2011/main" xmlns:a14="http://schemas.microsoft.com/office/drawing/2010/main" xmlns:m="http://schemas.openxmlformats.org/officeDocument/2006/math" xmlns="" val="1"/>
             </a:ext>
           </a:extLst>
         </p:spPr>
@@ -8687,7 +9345,7 @@
           </a:ln>
           <a:extLst>
             <a:ext uri="{C572A759-6A51-4108-AA02-DFA0A04FC94B}">
-              <ma14:wrappingTextBoxFlag xmlns="" xmlns:m="http://schemas.openxmlformats.org/officeDocument/2006/math" xmlns:a14="http://schemas.microsoft.com/office/drawing/2010/main" xmlns:ma14="http://schemas.microsoft.com/office/mac/drawingml/2011/main" val="1"/>
+              <ma14:wrappingTextBoxFlag xmlns:ma14="http://schemas.microsoft.com/office/mac/drawingml/2011/main" xmlns:a14="http://schemas.microsoft.com/office/drawing/2010/main" xmlns:m="http://schemas.openxmlformats.org/officeDocument/2006/math" xmlns="" val="1"/>
             </a:ext>
           </a:extLst>
         </p:spPr>
@@ -9910,7 +10568,7 @@
           </a:prstGeom>
           <a:extLst>
             <a:ext uri="{C572A759-6A51-4108-AA02-DFA0A04FC94B}">
-              <ma14:wrappingTextBoxFlag xmlns:ma14="http://schemas.microsoft.com/office/mac/drawingml/2011/main" xmlns:a14="http://schemas.microsoft.com/office/drawing/2010/main" xmlns:m="http://schemas.openxmlformats.org/officeDocument/2006/math" xmlns="" val="1"/>
+              <ma14:wrappingTextBoxFlag xmlns="" xmlns:m="http://schemas.openxmlformats.org/officeDocument/2006/math" xmlns:a14="http://schemas.microsoft.com/office/drawing/2010/main" xmlns:ma14="http://schemas.microsoft.com/office/mac/drawingml/2011/main" val="1"/>
             </a:ext>
           </a:extLst>
         </p:spPr>
@@ -9957,7 +10615,7 @@
           </a:ln>
           <a:extLst>
             <a:ext uri="{C572A759-6A51-4108-AA02-DFA0A04FC94B}">
-              <ma14:wrappingTextBoxFlag xmlns:ma14="http://schemas.microsoft.com/office/mac/drawingml/2011/main" xmlns:a14="http://schemas.microsoft.com/office/drawing/2010/main" xmlns:m="http://schemas.openxmlformats.org/officeDocument/2006/math" xmlns="" val="1"/>
+              <ma14:wrappingTextBoxFlag xmlns="" xmlns:m="http://schemas.openxmlformats.org/officeDocument/2006/math" xmlns:a14="http://schemas.microsoft.com/office/drawing/2010/main" xmlns:ma14="http://schemas.microsoft.com/office/mac/drawingml/2011/main" val="1"/>
             </a:ext>
           </a:extLst>
         </p:spPr>
@@ -10054,7 +10712,7 @@
           </a:ln>
           <a:extLst>
             <a:ext uri="{C572A759-6A51-4108-AA02-DFA0A04FC94B}">
-              <ma14:wrappingTextBoxFlag xmlns:ma14="http://schemas.microsoft.com/office/mac/drawingml/2011/main" xmlns:a14="http://schemas.microsoft.com/office/drawing/2010/main" xmlns:m="http://schemas.openxmlformats.org/officeDocument/2006/math" xmlns="" val="1"/>
+              <ma14:wrappingTextBoxFlag xmlns="" xmlns:m="http://schemas.openxmlformats.org/officeDocument/2006/math" xmlns:a14="http://schemas.microsoft.com/office/drawing/2010/main" xmlns:ma14="http://schemas.microsoft.com/office/mac/drawingml/2011/main" val="1"/>
             </a:ext>
           </a:extLst>
         </p:spPr>
@@ -10151,7 +10809,7 @@
           </a:ln>
           <a:extLst>
             <a:ext uri="{C572A759-6A51-4108-AA02-DFA0A04FC94B}">
-              <ma14:wrappingTextBoxFlag xmlns:ma14="http://schemas.microsoft.com/office/mac/drawingml/2011/main" xmlns:a14="http://schemas.microsoft.com/office/drawing/2010/main" xmlns:m="http://schemas.openxmlformats.org/officeDocument/2006/math" xmlns="" val="1"/>
+              <ma14:wrappingTextBoxFlag xmlns="" xmlns:m="http://schemas.openxmlformats.org/officeDocument/2006/math" xmlns:a14="http://schemas.microsoft.com/office/drawing/2010/main" xmlns:ma14="http://schemas.microsoft.com/office/mac/drawingml/2011/main" val="1"/>
             </a:ext>
           </a:extLst>
         </p:spPr>
@@ -10254,7 +10912,7 @@
           </a:prstGeom>
           <a:extLst>
             <a:ext uri="{C572A759-6A51-4108-AA02-DFA0A04FC94B}">
-              <ma14:wrappingTextBoxFlag xmlns:ma14="http://schemas.microsoft.com/office/mac/drawingml/2011/main" xmlns:a14="http://schemas.microsoft.com/office/drawing/2010/main" xmlns:m="http://schemas.openxmlformats.org/officeDocument/2006/math" xmlns="" val="1"/>
+              <ma14:wrappingTextBoxFlag xmlns="" xmlns:m="http://schemas.openxmlformats.org/officeDocument/2006/math" xmlns:a14="http://schemas.microsoft.com/office/drawing/2010/main" xmlns:ma14="http://schemas.microsoft.com/office/mac/drawingml/2011/main" val="1"/>
             </a:ext>
           </a:extLst>
         </p:spPr>
@@ -10919,7 +11577,7 @@
           </a:ln>
           <a:extLst>
             <a:ext uri="{C572A759-6A51-4108-AA02-DFA0A04FC94B}">
-              <ma14:wrappingTextBoxFlag xmlns:ma14="http://schemas.microsoft.com/office/mac/drawingml/2011/main" xmlns:a14="http://schemas.microsoft.com/office/drawing/2010/main" xmlns:m="http://schemas.openxmlformats.org/officeDocument/2006/math" xmlns="" val="1"/>
+              <ma14:wrappingTextBoxFlag xmlns="" xmlns:m="http://schemas.openxmlformats.org/officeDocument/2006/math" xmlns:a14="http://schemas.microsoft.com/office/drawing/2010/main" xmlns:ma14="http://schemas.microsoft.com/office/mac/drawingml/2011/main" val="1"/>
             </a:ext>
           </a:extLst>
         </p:spPr>
@@ -11253,7 +11911,7 @@
           </a:ln>
           <a:extLst>
             <a:ext uri="{C572A759-6A51-4108-AA02-DFA0A04FC94B}">
-              <ma14:wrappingTextBoxFlag xmlns:ma14="http://schemas.microsoft.com/office/mac/drawingml/2011/main" xmlns:a14="http://schemas.microsoft.com/office/drawing/2010/main" xmlns:m="http://schemas.openxmlformats.org/officeDocument/2006/math" xmlns="" val="1"/>
+              <ma14:wrappingTextBoxFlag xmlns="" xmlns:m="http://schemas.openxmlformats.org/officeDocument/2006/math" xmlns:a14="http://schemas.microsoft.com/office/drawing/2010/main" xmlns:ma14="http://schemas.microsoft.com/office/mac/drawingml/2011/main" val="1"/>
             </a:ext>
           </a:extLst>
         </p:spPr>
@@ -11329,7 +11987,7 @@
           </a:prstGeom>
           <a:extLst>
             <a:ext uri="{C572A759-6A51-4108-AA02-DFA0A04FC94B}">
-              <ma14:wrappingTextBoxFlag xmlns:ma14="http://schemas.microsoft.com/office/mac/drawingml/2011/main" xmlns:a14="http://schemas.microsoft.com/office/drawing/2010/main" xmlns:m="http://schemas.openxmlformats.org/officeDocument/2006/math" xmlns="" val="1"/>
+              <ma14:wrappingTextBoxFlag xmlns="" xmlns:m="http://schemas.openxmlformats.org/officeDocument/2006/math" xmlns:a14="http://schemas.microsoft.com/office/drawing/2010/main" xmlns:ma14="http://schemas.microsoft.com/office/mac/drawingml/2011/main" val="1"/>
             </a:ext>
           </a:extLst>
         </p:spPr>
@@ -11364,7 +12022,44 @@
           <a:lstStyle/>
           <a:p>
             <a:r>
-              <a:t>Mejores prácticas para generar contenido de inteligencia artificial</a:t>
+              <a:rPr dirty="0" err="1"/>
+              <a:t>Mejores</a:t>
+            </a:r>
+            <a:r>
+              <a:rPr dirty="0"/>
+              <a:t> </a:t>
+            </a:r>
+            <a:r>
+              <a:rPr dirty="0" err="1"/>
+              <a:t>prácticas</a:t>
+            </a:r>
+            <a:r>
+              <a:rPr dirty="0"/>
+              <a:t> para </a:t>
+            </a:r>
+            <a:r>
+              <a:rPr dirty="0" err="1"/>
+              <a:t>generar</a:t>
+            </a:r>
+            <a:r>
+              <a:rPr dirty="0"/>
+              <a:t> </a:t>
+            </a:r>
+            <a:r>
+              <a:rPr dirty="0" err="1"/>
+              <a:t>contenido</a:t>
+            </a:r>
+            <a:r>
+              <a:rPr dirty="0"/>
+              <a:t> de </a:t>
+            </a:r>
+            <a:r>
+              <a:rPr dirty="0" err="1"/>
+              <a:t>inteligencia</a:t>
+            </a:r>
+            <a:r>
+              <a:rPr dirty="0"/>
+              <a:t> artificial</a:t>
             </a:r>
           </a:p>
         </p:txBody>
@@ -11649,7 +12344,7 @@
           </a:ln>
           <a:extLst>
             <a:ext uri="{C572A759-6A51-4108-AA02-DFA0A04FC94B}">
-              <ma14:wrappingTextBoxFlag xmlns:ma14="http://schemas.microsoft.com/office/mac/drawingml/2011/main" xmlns:a14="http://schemas.microsoft.com/office/drawing/2010/main" xmlns:m="http://schemas.openxmlformats.org/officeDocument/2006/math" xmlns="" val="1"/>
+              <ma14:wrappingTextBoxFlag xmlns="" xmlns:m="http://schemas.openxmlformats.org/officeDocument/2006/math" xmlns:a14="http://schemas.microsoft.com/office/drawing/2010/main" xmlns:ma14="http://schemas.microsoft.com/office/mac/drawingml/2011/main" val="1"/>
             </a:ext>
           </a:extLst>
         </p:spPr>
@@ -11893,7 +12588,7 @@
           </a:ln>
           <a:extLst>
             <a:ext uri="{C572A759-6A51-4108-AA02-DFA0A04FC94B}">
-              <ma14:wrappingTextBoxFlag xmlns:ma14="http://schemas.microsoft.com/office/mac/drawingml/2011/main" xmlns:a14="http://schemas.microsoft.com/office/drawing/2010/main" xmlns:m="http://schemas.openxmlformats.org/officeDocument/2006/math" xmlns="" val="1"/>
+              <ma14:wrappingTextBoxFlag xmlns="" xmlns:m="http://schemas.openxmlformats.org/officeDocument/2006/math" xmlns:a14="http://schemas.microsoft.com/office/drawing/2010/main" xmlns:ma14="http://schemas.microsoft.com/office/mac/drawingml/2011/main" val="1"/>
             </a:ext>
           </a:extLst>
         </p:spPr>
